--- a/python_SMU/CALI FILES/TS/Scott_Frazier_FLS6.pptx
+++ b/python_SMU/CALI FILES/TS/Scott_Frazier_FLS6.pptx
@@ -5,16 +5,18 @@
     <p:sldMasterId id="2147483660" r:id="rId4"/>
   </p:sldMasterIdLst>
   <p:notesMasterIdLst>
-    <p:notesMasterId r:id="rId12"/>
+    <p:notesMasterId r:id="rId14"/>
   </p:notesMasterIdLst>
   <p:sldIdLst>
     <p:sldId id="278" r:id="rId5"/>
     <p:sldId id="283" r:id="rId6"/>
     <p:sldId id="286" r:id="rId7"/>
     <p:sldId id="287" r:id="rId8"/>
-    <p:sldId id="288" r:id="rId9"/>
-    <p:sldId id="285" r:id="rId10"/>
-    <p:sldId id="284" r:id="rId11"/>
+    <p:sldId id="289" r:id="rId9"/>
+    <p:sldId id="290" r:id="rId10"/>
+    <p:sldId id="288" r:id="rId11"/>
+    <p:sldId id="285" r:id="rId12"/>
+    <p:sldId id="284" r:id="rId13"/>
   </p:sldIdLst>
   <p:sldSz cx="12192000" cy="6858000"/>
   <p:notesSz cx="6858000" cy="9144000"/>
@@ -203,7 +205,7 @@
           <a:p>
             <a:fld id="{AFD01546-198A-4195-BCF8-F0FF54C90E5E}" type="datetimeFigureOut">
               <a:rPr lang="en-US" smtClean="0"/>
-              <a:t>9/25/2022</a:t>
+              <a:t>9/27/2022</a:t>
             </a:fld>
             <a:endParaRPr lang="en-US" dirty="0"/>
           </a:p>
@@ -655,7 +657,7 @@
           <a:p>
             <a:fld id="{88D38747-4367-4BD2-8D51-C97E202738E2}" type="datetime1">
               <a:rPr lang="en-US" smtClean="0"/>
-              <a:t>9/25/2022</a:t>
+              <a:t>9/27/2022</a:t>
             </a:fld>
             <a:endParaRPr lang="en-US" dirty="0"/>
           </a:p>
@@ -960,7 +962,7 @@
           <a:p>
             <a:fld id="{11F1B079-7EF0-44EE-B798-BCC497C9F3B2}" type="datetime1">
               <a:rPr lang="en-US" smtClean="0"/>
-              <a:t>9/25/2022</a:t>
+              <a:t>9/27/2022</a:t>
             </a:fld>
             <a:endParaRPr lang="en-US" dirty="0"/>
           </a:p>
@@ -1154,7 +1156,7 @@
           <a:p>
             <a:fld id="{28FF70A8-1D13-4657-95F0-A9EA54967B8D}" type="datetime1">
               <a:rPr lang="en-US" smtClean="0"/>
-              <a:t>9/25/2022</a:t>
+              <a:t>9/27/2022</a:t>
             </a:fld>
             <a:endParaRPr lang="en-US" dirty="0"/>
           </a:p>
@@ -1417,7 +1419,7 @@
           <a:p>
             <a:fld id="{21EB90AC-71BD-4C7F-8ACA-7B3F18292E63}" type="datetime1">
               <a:rPr lang="en-US" smtClean="0"/>
-              <a:t>9/25/2022</a:t>
+              <a:t>9/27/2022</a:t>
             </a:fld>
             <a:endParaRPr lang="en-US" dirty="0"/>
           </a:p>
@@ -1853,7 +1855,7 @@
           <a:p>
             <a:fld id="{4E6EFC2C-8905-46F0-B443-CE905B76BA01}" type="datetime1">
               <a:rPr lang="en-US" smtClean="0"/>
-              <a:t>9/25/2022</a:t>
+              <a:t>9/27/2022</a:t>
             </a:fld>
             <a:endParaRPr lang="en-US" dirty="0"/>
           </a:p>
@@ -2390,7 +2392,7 @@
           <a:p>
             <a:fld id="{D9079DC3-C9B5-499E-9140-0DC28B7074E2}" type="datetime1">
               <a:rPr lang="en-US" smtClean="0"/>
-              <a:t>9/25/2022</a:t>
+              <a:t>9/27/2022</a:t>
             </a:fld>
             <a:endParaRPr lang="en-US" dirty="0"/>
           </a:p>
@@ -3272,7 +3274,7 @@
           <a:p>
             <a:fld id="{30BB33EA-E472-4D22-9C03-A9C14AA21CED}" type="datetime1">
               <a:rPr lang="en-US" smtClean="0"/>
-              <a:t>9/25/2022</a:t>
+              <a:t>9/27/2022</a:t>
             </a:fld>
             <a:endParaRPr lang="en-US" dirty="0"/>
           </a:p>
@@ -3442,7 +3444,7 @@
           <a:p>
             <a:fld id="{73C55A3C-5767-4844-A0A3-83778C2E5409}" type="datetime1">
               <a:rPr lang="en-US" smtClean="0"/>
-              <a:t>9/25/2022</a:t>
+              <a:t>9/27/2022</a:t>
             </a:fld>
             <a:endParaRPr lang="en-US" dirty="0"/>
           </a:p>
@@ -3686,7 +3688,7 @@
           <a:p>
             <a:fld id="{CAE507A8-A5CF-4D38-AB86-7EDDA87A85D4}" type="datetime1">
               <a:rPr lang="en-US" smtClean="0"/>
-              <a:t>9/25/2022</a:t>
+              <a:t>9/27/2022</a:t>
             </a:fld>
             <a:endParaRPr lang="en-US" dirty="0"/>
           </a:p>
@@ -3928,7 +3930,7 @@
           <a:p>
             <a:fld id="{BDFCD27C-8599-43EF-BA1D-14DDC1946E06}" type="datetime1">
               <a:rPr lang="en-US" smtClean="0"/>
-              <a:t>9/25/2022</a:t>
+              <a:t>9/27/2022</a:t>
             </a:fld>
             <a:endParaRPr lang="en-US" dirty="0"/>
           </a:p>
@@ -4411,7 +4413,7 @@
           <a:p>
             <a:fld id="{49343D99-809A-49C0-96E5-4250D0B498EE}" type="datetime1">
               <a:rPr lang="en-US" smtClean="0"/>
-              <a:t>9/25/2022</a:t>
+              <a:t>9/27/2022</a:t>
             </a:fld>
             <a:endParaRPr lang="en-US" dirty="0"/>
           </a:p>
@@ -4529,7 +4531,7 @@
           <a:p>
             <a:fld id="{A143DE9B-B678-4EFB-BB7D-A4370204A0B0}" type="datetime1">
               <a:rPr lang="en-US" smtClean="0"/>
-              <a:t>9/25/2022</a:t>
+              <a:t>9/27/2022</a:t>
             </a:fld>
             <a:endParaRPr lang="en-US" dirty="0"/>
           </a:p>
@@ -4624,7 +4626,7 @@
           <a:p>
             <a:fld id="{E68812DA-F765-4142-A6A3-A8ED7235E082}" type="datetime1">
               <a:rPr lang="en-US" smtClean="0"/>
-              <a:t>9/25/2022</a:t>
+              <a:t>9/27/2022</a:t>
             </a:fld>
             <a:endParaRPr lang="en-US" dirty="0"/>
           </a:p>
@@ -4879,7 +4881,7 @@
           <a:p>
             <a:fld id="{3E0277FD-7DE6-41D4-930D-AC99F5AFE54E}" type="datetime1">
               <a:rPr lang="en-US" smtClean="0"/>
-              <a:t>9/25/2022</a:t>
+              <a:t>9/27/2022</a:t>
             </a:fld>
             <a:endParaRPr lang="en-US" dirty="0"/>
           </a:p>
@@ -5186,7 +5188,7 @@
           <a:p>
             <a:fld id="{9EA15526-7079-4B7B-987C-1B5FAE11A0FF}" type="datetime1">
               <a:rPr lang="en-US" smtClean="0"/>
-              <a:t>9/25/2022</a:t>
+              <a:t>9/27/2022</a:t>
             </a:fld>
             <a:endParaRPr lang="en-US" dirty="0"/>
           </a:p>
@@ -5421,7 +5423,7 @@
           <a:p>
             <a:fld id="{073ED0CC-082F-4160-86E5-0D6041F12778}" type="datetime1">
               <a:rPr lang="en-US" smtClean="0"/>
-              <a:t>9/25/2022</a:t>
+              <a:t>9/27/2022</a:t>
             </a:fld>
             <a:endParaRPr lang="en-US" dirty="0"/>
           </a:p>
@@ -6734,19 +6736,19 @@
         </p:nvSpPr>
         <p:spPr>
           <a:xfrm>
-            <a:off x="919119" y="187169"/>
+            <a:off x="-2813785" y="0"/>
             <a:ext cx="10353762" cy="1257300"/>
           </a:xfrm>
         </p:spPr>
         <p:txBody>
           <a:bodyPr>
-            <a:normAutofit fontScale="90000"/>
+            <a:normAutofit/>
           </a:bodyPr>
           <a:lstStyle/>
           <a:p>
             <a:r>
               <a:rPr lang="en-US" dirty="0"/>
-              <a:t>Comment and provide evidence (for each of the models) if they look to be:</a:t>
+              <a:t>Choosing models</a:t>
             </a:r>
           </a:p>
         </p:txBody>
@@ -6769,8 +6771,8 @@
         </p:nvSpPr>
         <p:spPr>
           <a:xfrm>
-            <a:off x="1025005" y="2421925"/>
-            <a:ext cx="10353762" cy="4100626"/>
+            <a:off x="163110" y="2034650"/>
+            <a:ext cx="5355563" cy="4459318"/>
           </a:xfrm>
         </p:spPr>
         <p:txBody>
@@ -6781,7 +6783,28 @@
               <a:buFont typeface="+mj-lt"/>
               <a:buAutoNum type="arabicPeriod"/>
             </a:pPr>
-            <a:endParaRPr lang="en-US" dirty="0"/>
+            <a:r>
+              <a:rPr lang="en-US" dirty="0"/>
+              <a:t>Looking at the original realization in the top left, we see data the would indicate a model which is not stationary. We do not have a constant mean, or constant variance.</a:t>
+            </a:r>
+          </a:p>
+          <a:p>
+            <a:pPr marL="494100" indent="-457200">
+              <a:buFont typeface="+mj-lt"/>
+              <a:buAutoNum type="arabicPeriod"/>
+            </a:pPr>
+            <a:r>
+              <a:rPr lang="en-US" dirty="0"/>
+              <a:t>Because of this, the difference was taken to attempt and </a:t>
+            </a:r>
+            <a:r>
+              <a:rPr lang="en-US" dirty="0" err="1"/>
+              <a:t>stationarize</a:t>
+            </a:r>
+            <a:r>
+              <a:rPr lang="en-US" dirty="0"/>
+              <a:t> the model. We are still seeing sinusoidal-oscillating behavior though. This model may be a good fit for </a:t>
+            </a:r>
           </a:p>
         </p:txBody>
       </p:sp>
@@ -6807,8 +6830,128 @@
         </p:blipFill>
         <p:spPr>
           <a:xfrm>
-            <a:off x="3089190" y="1444469"/>
+            <a:off x="163110" y="1020202"/>
             <a:ext cx="5667631" cy="848649"/>
+          </a:xfrm>
+          <a:prstGeom prst="rect">
+            <a:avLst/>
+          </a:prstGeom>
+        </p:spPr>
+      </p:pic>
+      <p:pic>
+        <p:nvPicPr>
+          <p:cNvPr id="6" name="Picture 5">
+            <a:extLst>
+              <a:ext uri="{FF2B5EF4-FFF2-40B4-BE49-F238E27FC236}">
+                <a16:creationId xmlns:a16="http://schemas.microsoft.com/office/drawing/2014/main" id="{BE88509F-7C0E-D575-B5F9-FF25E13039AD}"/>
+              </a:ext>
+            </a:extLst>
+          </p:cNvPr>
+          <p:cNvPicPr>
+            <a:picLocks noChangeAspect="1"/>
+          </p:cNvPicPr>
+          <p:nvPr/>
+        </p:nvPicPr>
+        <p:blipFill>
+          <a:blip r:embed="rId3"/>
+          <a:stretch>
+            <a:fillRect/>
+          </a:stretch>
+        </p:blipFill>
+        <p:spPr>
+          <a:xfrm>
+            <a:off x="4535908" y="107371"/>
+            <a:ext cx="5070995" cy="805460"/>
+          </a:xfrm>
+          <a:prstGeom prst="rect">
+            <a:avLst/>
+          </a:prstGeom>
+        </p:spPr>
+      </p:pic>
+      <p:pic>
+        <p:nvPicPr>
+          <p:cNvPr id="8" name="Picture 7">
+            <a:extLst>
+              <a:ext uri="{FF2B5EF4-FFF2-40B4-BE49-F238E27FC236}">
+                <a16:creationId xmlns:a16="http://schemas.microsoft.com/office/drawing/2014/main" id="{A0A404D9-50F9-2547-AB58-132B4CF056F8}"/>
+              </a:ext>
+            </a:extLst>
+          </p:cNvPr>
+          <p:cNvPicPr>
+            <a:picLocks noChangeAspect="1"/>
+          </p:cNvPicPr>
+          <p:nvPr/>
+        </p:nvPicPr>
+        <p:blipFill>
+          <a:blip r:embed="rId4"/>
+          <a:stretch>
+            <a:fillRect/>
+          </a:stretch>
+        </p:blipFill>
+        <p:spPr>
+          <a:xfrm>
+            <a:off x="5923644" y="1020202"/>
+            <a:ext cx="4511515" cy="4522518"/>
+          </a:xfrm>
+          <a:prstGeom prst="rect">
+            <a:avLst/>
+          </a:prstGeom>
+        </p:spPr>
+      </p:pic>
+      <p:pic>
+        <p:nvPicPr>
+          <p:cNvPr id="10" name="Picture 9">
+            <a:extLst>
+              <a:ext uri="{FF2B5EF4-FFF2-40B4-BE49-F238E27FC236}">
+                <a16:creationId xmlns:a16="http://schemas.microsoft.com/office/drawing/2014/main" id="{BA0669D0-EEDC-4D87-2D3F-08445CCE63D4}"/>
+              </a:ext>
+            </a:extLst>
+          </p:cNvPr>
+          <p:cNvPicPr>
+            <a:picLocks noChangeAspect="1"/>
+          </p:cNvPicPr>
+          <p:nvPr/>
+        </p:nvPicPr>
+        <p:blipFill>
+          <a:blip r:embed="rId5"/>
+          <a:stretch>
+            <a:fillRect/>
+          </a:stretch>
+        </p:blipFill>
+        <p:spPr>
+          <a:xfrm>
+            <a:off x="7071405" y="5542720"/>
+            <a:ext cx="2371376" cy="1124883"/>
+          </a:xfrm>
+          <a:prstGeom prst="rect">
+            <a:avLst/>
+          </a:prstGeom>
+        </p:spPr>
+      </p:pic>
+      <p:pic>
+        <p:nvPicPr>
+          <p:cNvPr id="12" name="Picture 11">
+            <a:extLst>
+              <a:ext uri="{FF2B5EF4-FFF2-40B4-BE49-F238E27FC236}">
+                <a16:creationId xmlns:a16="http://schemas.microsoft.com/office/drawing/2014/main" id="{C4056D49-9C35-9EFD-AB7C-16CE881E377C}"/>
+              </a:ext>
+            </a:extLst>
+          </p:cNvPr>
+          <p:cNvPicPr>
+            <a:picLocks noChangeAspect="1"/>
+          </p:cNvPicPr>
+          <p:nvPr/>
+        </p:nvPicPr>
+        <p:blipFill>
+          <a:blip r:embed="rId6"/>
+          <a:stretch>
+            <a:fillRect/>
+          </a:stretch>
+        </p:blipFill>
+        <p:spPr>
+          <a:xfrm>
+            <a:off x="2189549" y="5744584"/>
+            <a:ext cx="2723964" cy="298972"/>
           </a:xfrm>
           <a:prstGeom prst="rect">
             <a:avLst/>
@@ -6850,7 +6993,7 @@
           <p:cNvPr id="2" name="Title 1">
             <a:extLst>
               <a:ext uri="{FF2B5EF4-FFF2-40B4-BE49-F238E27FC236}">
-                <a16:creationId xmlns:a16="http://schemas.microsoft.com/office/drawing/2014/main" id="{76484B62-CD4C-D277-95BC-E8C127CEF1D2}"/>
+                <a16:creationId xmlns:a16="http://schemas.microsoft.com/office/drawing/2014/main" id="{EB216F4A-073B-868F-99A2-5094DECE8319}"/>
               </a:ext>
             </a:extLst>
           </p:cNvPr>
@@ -6861,14 +7004,21 @@
             <p:ph type="title"/>
           </p:nvPr>
         </p:nvSpPr>
-        <p:spPr/>
-        <p:txBody>
-          <a:bodyPr/>
+        <p:spPr>
+          <a:xfrm>
+            <a:off x="-2813785" y="0"/>
+            <a:ext cx="10353762" cy="1257300"/>
+          </a:xfrm>
+        </p:spPr>
+        <p:txBody>
+          <a:bodyPr>
+            <a:normAutofit/>
+          </a:bodyPr>
           <a:lstStyle/>
           <a:p>
             <a:r>
               <a:rPr lang="en-US" dirty="0"/>
-              <a:t>American Airlines Stock Data</a:t>
+              <a:t>Choosing models</a:t>
             </a:r>
           </a:p>
         </p:txBody>
@@ -6878,7 +7028,7 @@
           <p:cNvPr id="3" name="Content Placeholder 2">
             <a:extLst>
               <a:ext uri="{FF2B5EF4-FFF2-40B4-BE49-F238E27FC236}">
-                <a16:creationId xmlns:a16="http://schemas.microsoft.com/office/drawing/2014/main" id="{00B7E406-4D06-8C49-1E66-8199BA597C9C}"/>
+                <a16:creationId xmlns:a16="http://schemas.microsoft.com/office/drawing/2014/main" id="{5ED64971-EA8C-7501-9AD9-2ED856CAE647}"/>
               </a:ext>
             </a:extLst>
           </p:cNvPr>
@@ -6889,24 +7039,50 @@
             <p:ph idx="1"/>
           </p:nvPr>
         </p:nvSpPr>
-        <p:spPr/>
+        <p:spPr>
+          <a:xfrm>
+            <a:off x="163110" y="2034650"/>
+            <a:ext cx="5355563" cy="4459318"/>
+          </a:xfrm>
+        </p:spPr>
         <p:txBody>
           <a:bodyPr/>
           <a:lstStyle/>
           <a:p>
+            <a:pPr marL="494100" indent="-457200">
+              <a:buFont typeface="+mj-lt"/>
+              <a:buAutoNum type="arabicPeriod"/>
+            </a:pPr>
             <a:r>
               <a:rPr lang="en-US" dirty="0"/>
-              <a:t>Looking at the AIC results which give us an idea of the structure of the data now that we have taken the difference, we can see that the lowest AIC value would be p = 0, q = 0. So with this in mind, a seasonal ARUMA model would perhaps be a best fit for this data which is dealing with daily “close” values for the AAL stock.</a:t>
-            </a:r>
+              <a:t>Looking at the realizations to the right, we see that the two realizations are not very different from one another. Differencing did not seem to make much of a change here. </a:t>
+            </a:r>
+          </a:p>
+          <a:p>
+            <a:pPr marL="494100" indent="-457200">
+              <a:buFont typeface="+mj-lt"/>
+              <a:buAutoNum type="arabicPeriod"/>
+            </a:pPr>
+            <a:r>
+              <a:rPr lang="en-US" dirty="0"/>
+              <a:t>I am a bit confused at this point so I am  going to say the model is an ARMA(2,1), this being because we did not see a drastic change after differencing.</a:t>
+            </a:r>
+          </a:p>
+          <a:p>
+            <a:pPr marL="494100" indent="-457200">
+              <a:buFont typeface="+mj-lt"/>
+              <a:buAutoNum type="arabicPeriod"/>
+            </a:pPr>
+            <a:endParaRPr lang="en-US" dirty="0"/>
           </a:p>
         </p:txBody>
       </p:sp>
       <p:pic>
         <p:nvPicPr>
-          <p:cNvPr id="5" name="Picture 4">
+          <p:cNvPr id="4" name="Picture 3">
             <a:extLst>
               <a:ext uri="{FF2B5EF4-FFF2-40B4-BE49-F238E27FC236}">
-                <a16:creationId xmlns:a16="http://schemas.microsoft.com/office/drawing/2014/main" id="{0117CFCF-B2A8-FDC6-5C63-DEE634B1F482}"/>
+                <a16:creationId xmlns:a16="http://schemas.microsoft.com/office/drawing/2014/main" id="{22221B1D-87CD-01B4-CF9E-019E7C258612}"/>
               </a:ext>
             </a:extLst>
           </p:cNvPr>
@@ -6923,8 +7099,8 @@
         </p:blipFill>
         <p:spPr>
           <a:xfrm>
-            <a:off x="4582043" y="4848077"/>
-            <a:ext cx="3746411" cy="1724289"/>
+            <a:off x="163110" y="1020202"/>
+            <a:ext cx="5667631" cy="848649"/>
           </a:xfrm>
           <a:prstGeom prst="rect">
             <a:avLst/>
@@ -6933,10 +7109,10 @@
       </p:pic>
       <p:pic>
         <p:nvPicPr>
-          <p:cNvPr id="9" name="Picture 8">
+          <p:cNvPr id="16" name="Picture 15">
             <a:extLst>
               <a:ext uri="{FF2B5EF4-FFF2-40B4-BE49-F238E27FC236}">
-                <a16:creationId xmlns:a16="http://schemas.microsoft.com/office/drawing/2014/main" id="{B9CF13FF-43BF-3F21-90E3-D9805B280263}"/>
+                <a16:creationId xmlns:a16="http://schemas.microsoft.com/office/drawing/2014/main" id="{F1413B8B-2055-690A-6A7E-74900BC1A0F0}"/>
               </a:ext>
             </a:extLst>
           </p:cNvPr>
@@ -6953,8 +7129,98 @@
         </p:blipFill>
         <p:spPr>
           <a:xfrm>
-            <a:off x="4582043" y="4026409"/>
-            <a:ext cx="3978759" cy="612117"/>
+            <a:off x="5959077" y="1011509"/>
+            <a:ext cx="5228726" cy="2046282"/>
+          </a:xfrm>
+          <a:prstGeom prst="rect">
+            <a:avLst/>
+          </a:prstGeom>
+        </p:spPr>
+      </p:pic>
+      <p:pic>
+        <p:nvPicPr>
+          <p:cNvPr id="18" name="Picture 17">
+            <a:extLst>
+              <a:ext uri="{FF2B5EF4-FFF2-40B4-BE49-F238E27FC236}">
+                <a16:creationId xmlns:a16="http://schemas.microsoft.com/office/drawing/2014/main" id="{057E3F6C-E489-F652-FBDF-759E7325FBE6}"/>
+              </a:ext>
+            </a:extLst>
+          </p:cNvPr>
+          <p:cNvPicPr>
+            <a:picLocks noChangeAspect="1"/>
+          </p:cNvPicPr>
+          <p:nvPr/>
+        </p:nvPicPr>
+        <p:blipFill>
+          <a:blip r:embed="rId4"/>
+          <a:stretch>
+            <a:fillRect/>
+          </a:stretch>
+        </p:blipFill>
+        <p:spPr>
+          <a:xfrm>
+            <a:off x="5959077" y="3194908"/>
+            <a:ext cx="5228726" cy="2407443"/>
+          </a:xfrm>
+          <a:prstGeom prst="rect">
+            <a:avLst/>
+          </a:prstGeom>
+        </p:spPr>
+      </p:pic>
+      <p:pic>
+        <p:nvPicPr>
+          <p:cNvPr id="20" name="Picture 19">
+            <a:extLst>
+              <a:ext uri="{FF2B5EF4-FFF2-40B4-BE49-F238E27FC236}">
+                <a16:creationId xmlns:a16="http://schemas.microsoft.com/office/drawing/2014/main" id="{D98EAAE6-D7FF-74B1-47EC-B60F2F01C9AA}"/>
+              </a:ext>
+            </a:extLst>
+          </p:cNvPr>
+          <p:cNvPicPr>
+            <a:picLocks noChangeAspect="1"/>
+          </p:cNvPicPr>
+          <p:nvPr/>
+        </p:nvPicPr>
+        <p:blipFill>
+          <a:blip r:embed="rId5"/>
+          <a:stretch>
+            <a:fillRect/>
+          </a:stretch>
+        </p:blipFill>
+        <p:spPr>
+          <a:xfrm>
+            <a:off x="5830741" y="87511"/>
+            <a:ext cx="4496600" cy="801568"/>
+          </a:xfrm>
+          <a:prstGeom prst="rect">
+            <a:avLst/>
+          </a:prstGeom>
+        </p:spPr>
+      </p:pic>
+      <p:pic>
+        <p:nvPicPr>
+          <p:cNvPr id="22" name="Picture 21">
+            <a:extLst>
+              <a:ext uri="{FF2B5EF4-FFF2-40B4-BE49-F238E27FC236}">
+                <a16:creationId xmlns:a16="http://schemas.microsoft.com/office/drawing/2014/main" id="{2CF3F365-86C1-0D27-AABC-2E9A085124A1}"/>
+              </a:ext>
+            </a:extLst>
+          </p:cNvPr>
+          <p:cNvPicPr>
+            <a:picLocks noChangeAspect="1"/>
+          </p:cNvPicPr>
+          <p:nvPr/>
+        </p:nvPicPr>
+        <p:blipFill>
+          <a:blip r:embed="rId6"/>
+          <a:stretch>
+            <a:fillRect/>
+          </a:stretch>
+        </p:blipFill>
+        <p:spPr>
+          <a:xfrm>
+            <a:off x="7474772" y="5690928"/>
+            <a:ext cx="2197336" cy="1079561"/>
           </a:xfrm>
           <a:prstGeom prst="rect">
             <a:avLst/>
@@ -6964,7 +7230,7 @@
     </p:spTree>
     <p:extLst>
       <p:ext uri="{BB962C8B-B14F-4D97-AF65-F5344CB8AC3E}">
-        <p14:creationId xmlns:p14="http://schemas.microsoft.com/office/powerpoint/2010/main" val="1917362763"/>
+        <p14:creationId xmlns:p14="http://schemas.microsoft.com/office/powerpoint/2010/main" val="473226625"/>
       </p:ext>
     </p:extLst>
   </p:cSld>
@@ -6996,7 +7262,7 @@
           <p:cNvPr id="2" name="Title 1">
             <a:extLst>
               <a:ext uri="{FF2B5EF4-FFF2-40B4-BE49-F238E27FC236}">
-                <a16:creationId xmlns:a16="http://schemas.microsoft.com/office/drawing/2014/main" id="{86206BAB-5171-AFA5-227F-3CDE3E0D1971}"/>
+                <a16:creationId xmlns:a16="http://schemas.microsoft.com/office/drawing/2014/main" id="{EB216F4A-073B-868F-99A2-5094DECE8319}"/>
               </a:ext>
             </a:extLst>
           </p:cNvPr>
@@ -7007,14 +7273,21 @@
             <p:ph type="title"/>
           </p:nvPr>
         </p:nvSpPr>
-        <p:spPr/>
-        <p:txBody>
-          <a:bodyPr/>
+        <p:spPr>
+          <a:xfrm>
+            <a:off x="-2813785" y="0"/>
+            <a:ext cx="10353762" cy="1257300"/>
+          </a:xfrm>
+        </p:spPr>
+        <p:txBody>
+          <a:bodyPr>
+            <a:normAutofit/>
+          </a:bodyPr>
           <a:lstStyle/>
           <a:p>
             <a:r>
               <a:rPr lang="en-US" dirty="0"/>
-              <a:t>Takeaways</a:t>
+              <a:t>Choosing models</a:t>
             </a:r>
           </a:p>
         </p:txBody>
@@ -7024,7 +7297,7 @@
           <p:cNvPr id="3" name="Content Placeholder 2">
             <a:extLst>
               <a:ext uri="{FF2B5EF4-FFF2-40B4-BE49-F238E27FC236}">
-                <a16:creationId xmlns:a16="http://schemas.microsoft.com/office/drawing/2014/main" id="{7408D147-0085-118F-6CDD-FD6D37D98589}"/>
+                <a16:creationId xmlns:a16="http://schemas.microsoft.com/office/drawing/2014/main" id="{5ED64971-EA8C-7501-9AD9-2ED856CAE647}"/>
               </a:ext>
             </a:extLst>
           </p:cNvPr>
@@ -7035,19 +7308,151 @@
             <p:ph idx="1"/>
           </p:nvPr>
         </p:nvSpPr>
-        <p:spPr/>
+        <p:spPr>
+          <a:xfrm>
+            <a:off x="163110" y="2034650"/>
+            <a:ext cx="5355563" cy="4459318"/>
+          </a:xfrm>
+        </p:spPr>
         <p:txBody>
           <a:bodyPr/>
           <a:lstStyle/>
           <a:p>
-            <a:endParaRPr lang="en-US" dirty="0"/>
-          </a:p>
-        </p:txBody>
-      </p:sp>
+            <a:pPr marL="494100" indent="-457200">
+              <a:buFont typeface="+mj-lt"/>
+              <a:buAutoNum type="arabicPeriod"/>
+            </a:pPr>
+            <a:r>
+              <a:rPr lang="en-US" dirty="0"/>
+              <a:t>I would say this model would best perform with an ARUMA model because it seems as if we are dealing with some slightly seasonal data.</a:t>
+            </a:r>
+          </a:p>
+        </p:txBody>
+      </p:sp>
+      <p:pic>
+        <p:nvPicPr>
+          <p:cNvPr id="4" name="Picture 3">
+            <a:extLst>
+              <a:ext uri="{FF2B5EF4-FFF2-40B4-BE49-F238E27FC236}">
+                <a16:creationId xmlns:a16="http://schemas.microsoft.com/office/drawing/2014/main" id="{22221B1D-87CD-01B4-CF9E-019E7C258612}"/>
+              </a:ext>
+            </a:extLst>
+          </p:cNvPr>
+          <p:cNvPicPr>
+            <a:picLocks noChangeAspect="1"/>
+          </p:cNvPicPr>
+          <p:nvPr/>
+        </p:nvPicPr>
+        <p:blipFill>
+          <a:blip r:embed="rId2"/>
+          <a:stretch>
+            <a:fillRect/>
+          </a:stretch>
+        </p:blipFill>
+        <p:spPr>
+          <a:xfrm>
+            <a:off x="163110" y="1020202"/>
+            <a:ext cx="5667631" cy="848649"/>
+          </a:xfrm>
+          <a:prstGeom prst="rect">
+            <a:avLst/>
+          </a:prstGeom>
+        </p:spPr>
+      </p:pic>
+      <p:pic>
+        <p:nvPicPr>
+          <p:cNvPr id="7" name="Picture 6">
+            <a:extLst>
+              <a:ext uri="{FF2B5EF4-FFF2-40B4-BE49-F238E27FC236}">
+                <a16:creationId xmlns:a16="http://schemas.microsoft.com/office/drawing/2014/main" id="{0899795D-56D7-73A2-7E7C-7B1F3CE0D024}"/>
+              </a:ext>
+            </a:extLst>
+          </p:cNvPr>
+          <p:cNvPicPr>
+            <a:picLocks noChangeAspect="1"/>
+          </p:cNvPicPr>
+          <p:nvPr/>
+        </p:nvPicPr>
+        <p:blipFill>
+          <a:blip r:embed="rId3"/>
+          <a:stretch>
+            <a:fillRect/>
+          </a:stretch>
+        </p:blipFill>
+        <p:spPr>
+          <a:xfrm>
+            <a:off x="5973616" y="672362"/>
+            <a:ext cx="6055274" cy="2392978"/>
+          </a:xfrm>
+          <a:prstGeom prst="rect">
+            <a:avLst/>
+          </a:prstGeom>
+        </p:spPr>
+      </p:pic>
+      <p:pic>
+        <p:nvPicPr>
+          <p:cNvPr id="11" name="Picture 10">
+            <a:extLst>
+              <a:ext uri="{FF2B5EF4-FFF2-40B4-BE49-F238E27FC236}">
+                <a16:creationId xmlns:a16="http://schemas.microsoft.com/office/drawing/2014/main" id="{7174A7A2-F683-BF61-005E-E0944C721F47}"/>
+              </a:ext>
+            </a:extLst>
+          </p:cNvPr>
+          <p:cNvPicPr>
+            <a:picLocks noChangeAspect="1"/>
+          </p:cNvPicPr>
+          <p:nvPr/>
+        </p:nvPicPr>
+        <p:blipFill>
+          <a:blip r:embed="rId4"/>
+          <a:stretch>
+            <a:fillRect/>
+          </a:stretch>
+        </p:blipFill>
+        <p:spPr>
+          <a:xfrm>
+            <a:off x="5973616" y="3149301"/>
+            <a:ext cx="5789454" cy="2834933"/>
+          </a:xfrm>
+          <a:prstGeom prst="rect">
+            <a:avLst/>
+          </a:prstGeom>
+        </p:spPr>
+      </p:pic>
+      <p:pic>
+        <p:nvPicPr>
+          <p:cNvPr id="14" name="Picture 13">
+            <a:extLst>
+              <a:ext uri="{FF2B5EF4-FFF2-40B4-BE49-F238E27FC236}">
+                <a16:creationId xmlns:a16="http://schemas.microsoft.com/office/drawing/2014/main" id="{29C21A5C-DF71-A9C6-609C-2B2A5B76A742}"/>
+              </a:ext>
+            </a:extLst>
+          </p:cNvPr>
+          <p:cNvPicPr>
+            <a:picLocks noChangeAspect="1"/>
+          </p:cNvPicPr>
+          <p:nvPr/>
+        </p:nvPicPr>
+        <p:blipFill>
+          <a:blip r:embed="rId5"/>
+          <a:stretch>
+            <a:fillRect/>
+          </a:stretch>
+        </p:blipFill>
+        <p:spPr>
+          <a:xfrm>
+            <a:off x="4513930" y="15091"/>
+            <a:ext cx="7249140" cy="495408"/>
+          </a:xfrm>
+          <a:prstGeom prst="rect">
+            <a:avLst/>
+          </a:prstGeom>
+        </p:spPr>
+      </p:pic>
     </p:spTree>
     <p:extLst>
       <p:ext uri="{BB962C8B-B14F-4D97-AF65-F5344CB8AC3E}">
-        <p14:creationId xmlns:p14="http://schemas.microsoft.com/office/powerpoint/2010/main" val="3045651098"/>
+        <p14:creationId xmlns:p14="http://schemas.microsoft.com/office/powerpoint/2010/main" val="1012071209"/>
       </p:ext>
     </p:extLst>
   </p:cSld>
@@ -7079,6 +7484,152 @@
           <p:cNvPr id="2" name="Title 1">
             <a:extLst>
               <a:ext uri="{FF2B5EF4-FFF2-40B4-BE49-F238E27FC236}">
+                <a16:creationId xmlns:a16="http://schemas.microsoft.com/office/drawing/2014/main" id="{76484B62-CD4C-D277-95BC-E8C127CEF1D2}"/>
+              </a:ext>
+            </a:extLst>
+          </p:cNvPr>
+          <p:cNvSpPr>
+            <a:spLocks noGrp="1"/>
+          </p:cNvSpPr>
+          <p:nvPr>
+            <p:ph type="title"/>
+          </p:nvPr>
+        </p:nvSpPr>
+        <p:spPr/>
+        <p:txBody>
+          <a:bodyPr/>
+          <a:lstStyle/>
+          <a:p>
+            <a:r>
+              <a:rPr lang="en-US" dirty="0"/>
+              <a:t>American Airlines Stock Data</a:t>
+            </a:r>
+          </a:p>
+        </p:txBody>
+      </p:sp>
+      <p:sp>
+        <p:nvSpPr>
+          <p:cNvPr id="3" name="Content Placeholder 2">
+            <a:extLst>
+              <a:ext uri="{FF2B5EF4-FFF2-40B4-BE49-F238E27FC236}">
+                <a16:creationId xmlns:a16="http://schemas.microsoft.com/office/drawing/2014/main" id="{00B7E406-4D06-8C49-1E66-8199BA597C9C}"/>
+              </a:ext>
+            </a:extLst>
+          </p:cNvPr>
+          <p:cNvSpPr>
+            <a:spLocks noGrp="1"/>
+          </p:cNvSpPr>
+          <p:nvPr>
+            <p:ph idx="1"/>
+          </p:nvPr>
+        </p:nvSpPr>
+        <p:spPr/>
+        <p:txBody>
+          <a:bodyPr/>
+          <a:lstStyle/>
+          <a:p>
+            <a:r>
+              <a:rPr lang="en-US" dirty="0"/>
+              <a:t>Looking at the AIC results which give us an idea of the structure of the data now that we have taken the difference, we can see that the lowest AIC value would be p = 0, q = 0. So with this in mind, a seasonal ARUMA model would perhaps be a best fit for this data which is dealing with daily “close” values for the AAL stock.</a:t>
+            </a:r>
+          </a:p>
+        </p:txBody>
+      </p:sp>
+      <p:pic>
+        <p:nvPicPr>
+          <p:cNvPr id="5" name="Picture 4">
+            <a:extLst>
+              <a:ext uri="{FF2B5EF4-FFF2-40B4-BE49-F238E27FC236}">
+                <a16:creationId xmlns:a16="http://schemas.microsoft.com/office/drawing/2014/main" id="{0117CFCF-B2A8-FDC6-5C63-DEE634B1F482}"/>
+              </a:ext>
+            </a:extLst>
+          </p:cNvPr>
+          <p:cNvPicPr>
+            <a:picLocks noChangeAspect="1"/>
+          </p:cNvPicPr>
+          <p:nvPr/>
+        </p:nvPicPr>
+        <p:blipFill>
+          <a:blip r:embed="rId2"/>
+          <a:stretch>
+            <a:fillRect/>
+          </a:stretch>
+        </p:blipFill>
+        <p:spPr>
+          <a:xfrm>
+            <a:off x="4582043" y="4848077"/>
+            <a:ext cx="3746411" cy="1724289"/>
+          </a:xfrm>
+          <a:prstGeom prst="rect">
+            <a:avLst/>
+          </a:prstGeom>
+        </p:spPr>
+      </p:pic>
+      <p:pic>
+        <p:nvPicPr>
+          <p:cNvPr id="9" name="Picture 8">
+            <a:extLst>
+              <a:ext uri="{FF2B5EF4-FFF2-40B4-BE49-F238E27FC236}">
+                <a16:creationId xmlns:a16="http://schemas.microsoft.com/office/drawing/2014/main" id="{B9CF13FF-43BF-3F21-90E3-D9805B280263}"/>
+              </a:ext>
+            </a:extLst>
+          </p:cNvPr>
+          <p:cNvPicPr>
+            <a:picLocks noChangeAspect="1"/>
+          </p:cNvPicPr>
+          <p:nvPr/>
+        </p:nvPicPr>
+        <p:blipFill>
+          <a:blip r:embed="rId3"/>
+          <a:stretch>
+            <a:fillRect/>
+          </a:stretch>
+        </p:blipFill>
+        <p:spPr>
+          <a:xfrm>
+            <a:off x="4582043" y="4026409"/>
+            <a:ext cx="3978759" cy="612117"/>
+          </a:xfrm>
+          <a:prstGeom prst="rect">
+            <a:avLst/>
+          </a:prstGeom>
+        </p:spPr>
+      </p:pic>
+    </p:spTree>
+    <p:extLst>
+      <p:ext uri="{BB962C8B-B14F-4D97-AF65-F5344CB8AC3E}">
+        <p14:creationId xmlns:p14="http://schemas.microsoft.com/office/powerpoint/2010/main" val="1917362763"/>
+      </p:ext>
+    </p:extLst>
+  </p:cSld>
+  <p:clrMapOvr>
+    <a:masterClrMapping/>
+  </p:clrMapOvr>
+</p:sld>
+</file>
+
+<file path=ppt/slides/slide8.xml><?xml version="1.0" encoding="utf-8"?>
+<p:sld xmlns:a="http://schemas.openxmlformats.org/drawingml/2006/main" xmlns:r="http://schemas.openxmlformats.org/officeDocument/2006/relationships" xmlns:p="http://schemas.openxmlformats.org/presentationml/2006/main">
+  <p:cSld>
+    <p:spTree>
+      <p:nvGrpSpPr>
+        <p:cNvPr id="1" name=""/>
+        <p:cNvGrpSpPr/>
+        <p:nvPr/>
+      </p:nvGrpSpPr>
+      <p:grpSpPr>
+        <a:xfrm>
+          <a:off x="0" y="0"/>
+          <a:ext cx="0" cy="0"/>
+          <a:chOff x="0" y="0"/>
+          <a:chExt cx="0" cy="0"/>
+        </a:xfrm>
+      </p:grpSpPr>
+      <p:sp>
+        <p:nvSpPr>
+          <p:cNvPr id="2" name="Title 1">
+            <a:extLst>
+              <a:ext uri="{FF2B5EF4-FFF2-40B4-BE49-F238E27FC236}">
                 <a16:creationId xmlns:a16="http://schemas.microsoft.com/office/drawing/2014/main" id="{86206BAB-5171-AFA5-227F-3CDE3E0D1971}"/>
               </a:ext>
             </a:extLst>
@@ -7097,7 +7648,7 @@
           <a:p>
             <a:r>
               <a:rPr lang="en-US" dirty="0"/>
-              <a:t>Questions</a:t>
+              <a:t>Takeaways</a:t>
             </a:r>
           </a:p>
         </p:txBody>
@@ -7120,8 +7671,100 @@
         </p:nvSpPr>
         <p:spPr/>
         <p:txBody>
+          <a:bodyPr/>
+          <a:lstStyle/>
+          <a:p>
+            <a:r>
+              <a:rPr lang="en-US" dirty="0"/>
+              <a:t>ARUMA models are useful for dealing with seasonal data.</a:t>
+            </a:r>
+          </a:p>
+          <a:p>
+            <a:r>
+              <a:rPr lang="en-US" dirty="0"/>
+              <a:t>ARIMA models are useful when we need to seek the use of differencing because a model is not stationary and not fit to be an ARMA model.</a:t>
+            </a:r>
+          </a:p>
+        </p:txBody>
+      </p:sp>
+    </p:spTree>
+    <p:extLst>
+      <p:ext uri="{BB962C8B-B14F-4D97-AF65-F5344CB8AC3E}">
+        <p14:creationId xmlns:p14="http://schemas.microsoft.com/office/powerpoint/2010/main" val="3045651098"/>
+      </p:ext>
+    </p:extLst>
+  </p:cSld>
+  <p:clrMapOvr>
+    <a:masterClrMapping/>
+  </p:clrMapOvr>
+</p:sld>
+</file>
+
+<file path=ppt/slides/slide9.xml><?xml version="1.0" encoding="utf-8"?>
+<p:sld xmlns:a="http://schemas.openxmlformats.org/drawingml/2006/main" xmlns:r="http://schemas.openxmlformats.org/officeDocument/2006/relationships" xmlns:p="http://schemas.openxmlformats.org/presentationml/2006/main">
+  <p:cSld>
+    <p:spTree>
+      <p:nvGrpSpPr>
+        <p:cNvPr id="1" name=""/>
+        <p:cNvGrpSpPr/>
+        <p:nvPr/>
+      </p:nvGrpSpPr>
+      <p:grpSpPr>
+        <a:xfrm>
+          <a:off x="0" y="0"/>
+          <a:ext cx="0" cy="0"/>
+          <a:chOff x="0" y="0"/>
+          <a:chExt cx="0" cy="0"/>
+        </a:xfrm>
+      </p:grpSpPr>
+      <p:sp>
+        <p:nvSpPr>
+          <p:cNvPr id="2" name="Title 1">
+            <a:extLst>
+              <a:ext uri="{FF2B5EF4-FFF2-40B4-BE49-F238E27FC236}">
+                <a16:creationId xmlns:a16="http://schemas.microsoft.com/office/drawing/2014/main" id="{86206BAB-5171-AFA5-227F-3CDE3E0D1971}"/>
+              </a:ext>
+            </a:extLst>
+          </p:cNvPr>
+          <p:cNvSpPr>
+            <a:spLocks noGrp="1"/>
+          </p:cNvSpPr>
+          <p:nvPr>
+            <p:ph type="title"/>
+          </p:nvPr>
+        </p:nvSpPr>
+        <p:spPr/>
+        <p:txBody>
+          <a:bodyPr/>
+          <a:lstStyle/>
+          <a:p>
+            <a:r>
+              <a:rPr lang="en-US" dirty="0"/>
+              <a:t>Questions</a:t>
+            </a:r>
+          </a:p>
+        </p:txBody>
+      </p:sp>
+      <p:sp>
+        <p:nvSpPr>
+          <p:cNvPr id="3" name="Content Placeholder 2">
+            <a:extLst>
+              <a:ext uri="{FF2B5EF4-FFF2-40B4-BE49-F238E27FC236}">
+                <a16:creationId xmlns:a16="http://schemas.microsoft.com/office/drawing/2014/main" id="{7408D147-0085-118F-6CDD-FD6D37D98589}"/>
+              </a:ext>
+            </a:extLst>
+          </p:cNvPr>
+          <p:cNvSpPr>
+            <a:spLocks noGrp="1"/>
+          </p:cNvSpPr>
+          <p:nvPr>
+            <p:ph idx="1"/>
+          </p:nvPr>
+        </p:nvSpPr>
+        <p:spPr/>
+        <p:txBody>
           <a:bodyPr>
-            <a:normAutofit/>
+            <a:normAutofit fontScale="92500" lnSpcReduction="10000"/>
           </a:bodyPr>
           <a:lstStyle/>
           <a:p>
@@ -7141,6 +7784,15 @@
               <a:rPr lang="en-US" dirty="0"/>
               <a:t>Overall, I am a bit confused on how to tell when we should be using ARIMA vs ARUMA models. </a:t>
             </a:r>
+          </a:p>
+          <a:p>
+            <a:r>
+              <a:rPr lang="en-US" dirty="0"/>
+              <a:t>How do we know when we have taken the difference enough times when working with ARIMA/ARUMA models?</a:t>
+            </a:r>
+          </a:p>
+          <a:p>
+            <a:endParaRPr lang="en-US" dirty="0"/>
           </a:p>
         </p:txBody>
       </p:sp>
